--- a/화면 설계서/11.업체 둥록 페이지.pptx
+++ b/화면 설계서/11.업체 둥록 페이지.pptx
@@ -3837,7 +3837,7 @@
         <p:spPr>
           <a:xfrm>
             <a:off x="2267381" y="51693"/>
-            <a:ext cx="2128392" cy="523220"/>
+            <a:ext cx="3940814" cy="523220"/>
           </a:xfrm>
           <a:prstGeom prst="rect">
             <a:avLst/>
@@ -3852,12 +3852,9 @@
           <a:p>
             <a:r>
               <a:rPr lang="ko-KR" altLang="en-US" sz="2800"/>
-              <a:t>업체 </a:t>
-            </a:r>
-            <a:r>
-              <a:rPr lang="ko-KR" altLang="en-US" sz="2800" dirty="0"/>
-              <a:t>등록</a:t>
-            </a:r>
+              <a:t>업체 등록 페이지</a:t>
+            </a:r>
+            <a:endParaRPr lang="ko-KR" altLang="en-US" sz="2800" dirty="0"/>
           </a:p>
         </p:txBody>
       </p:sp>
@@ -4085,7 +4082,7 @@
             <a:pPr algn="ctr"/>
             <a:r>
               <a:rPr lang="ko-KR" altLang="en-US"/>
-              <a:t>담장자명</a:t>
+              <a:t>담당자명</a:t>
             </a:r>
             <a:endParaRPr lang="ko-KR" altLang="en-US" dirty="0"/>
           </a:p>
@@ -4800,6 +4797,779 @@
               <a:rPr lang="ko-KR" altLang="en-US" sz="1300"/>
               <a:t>비고</a:t>
             </a:r>
+          </a:p>
+        </p:txBody>
+      </p:sp>
+      <p:sp>
+        <p:nvSpPr>
+          <p:cNvPr id="10" name="순서도: 병합 9">
+            <a:extLst>
+              <a:ext uri="{FF2B5EF4-FFF2-40B4-BE49-F238E27FC236}">
+                <a16:creationId xmlns:a16="http://schemas.microsoft.com/office/drawing/2014/main" id="{74821670-2B7F-C03C-FC9F-F1705AA516D2}"/>
+              </a:ext>
+            </a:extLst>
+          </p:cNvPr>
+          <p:cNvSpPr/>
+          <p:nvPr/>
+        </p:nvSpPr>
+        <p:spPr>
+          <a:xfrm>
+            <a:off x="6096000" y="980395"/>
+            <a:ext cx="112195" cy="103405"/>
+          </a:xfrm>
+          <a:prstGeom prst="flowChartMerge">
+            <a:avLst/>
+          </a:prstGeom>
+        </p:spPr>
+        <p:style>
+          <a:lnRef idx="2">
+            <a:schemeClr val="accent1">
+              <a:shade val="15000"/>
+            </a:schemeClr>
+          </a:lnRef>
+          <a:fillRef idx="1">
+            <a:schemeClr val="accent1"/>
+          </a:fillRef>
+          <a:effectRef idx="0">
+            <a:schemeClr val="accent1"/>
+          </a:effectRef>
+          <a:fontRef idx="minor">
+            <a:schemeClr val="lt1"/>
+          </a:fontRef>
+        </p:style>
+        <p:txBody>
+          <a:bodyPr rtlCol="0" anchor="ctr"/>
+          <a:lstStyle/>
+          <a:p>
+            <a:pPr algn="ctr"/>
+            <a:endParaRPr lang="ko-KR" altLang="en-US"/>
+          </a:p>
+        </p:txBody>
+      </p:sp>
+      <p:sp>
+        <p:nvSpPr>
+          <p:cNvPr id="16" name="순서도: 연결자 15">
+            <a:extLst>
+              <a:ext uri="{FF2B5EF4-FFF2-40B4-BE49-F238E27FC236}">
+                <a16:creationId xmlns:a16="http://schemas.microsoft.com/office/drawing/2014/main" id="{CB3709E3-84E8-C574-3D1C-08221F5F2294}"/>
+              </a:ext>
+            </a:extLst>
+          </p:cNvPr>
+          <p:cNvSpPr/>
+          <p:nvPr/>
+        </p:nvSpPr>
+        <p:spPr>
+          <a:xfrm>
+            <a:off x="3523425" y="737452"/>
+            <a:ext cx="156117" cy="161693"/>
+          </a:xfrm>
+          <a:prstGeom prst="flowChartConnector">
+            <a:avLst/>
+          </a:prstGeom>
+          <a:solidFill>
+            <a:srgbClr val="FFFF00"/>
+          </a:solidFill>
+        </p:spPr>
+        <p:style>
+          <a:lnRef idx="2">
+            <a:schemeClr val="accent4">
+              <a:shade val="15000"/>
+            </a:schemeClr>
+          </a:lnRef>
+          <a:fillRef idx="1">
+            <a:schemeClr val="accent4"/>
+          </a:fillRef>
+          <a:effectRef idx="0">
+            <a:schemeClr val="accent4"/>
+          </a:effectRef>
+          <a:fontRef idx="minor">
+            <a:schemeClr val="lt1"/>
+          </a:fontRef>
+        </p:style>
+        <p:txBody>
+          <a:bodyPr rtlCol="0" anchor="ctr"/>
+          <a:lstStyle/>
+          <a:p>
+            <a:pPr algn="ctr"/>
+            <a:r>
+              <a:rPr lang="en-US" altLang="ko-KR" sz="1000">
+                <a:solidFill>
+                  <a:schemeClr val="tx1"/>
+                </a:solidFill>
+              </a:rPr>
+              <a:t>1</a:t>
+            </a:r>
+            <a:endParaRPr lang="ko-KR" altLang="en-US" sz="1000">
+              <a:solidFill>
+                <a:schemeClr val="tx1"/>
+              </a:solidFill>
+            </a:endParaRPr>
+          </a:p>
+        </p:txBody>
+      </p:sp>
+      <p:sp>
+        <p:nvSpPr>
+          <p:cNvPr id="17" name="순서도: 연결자 16">
+            <a:extLst>
+              <a:ext uri="{FF2B5EF4-FFF2-40B4-BE49-F238E27FC236}">
+                <a16:creationId xmlns:a16="http://schemas.microsoft.com/office/drawing/2014/main" id="{682CB48A-F2B0-C51F-832B-546D5BEC78D1}"/>
+              </a:ext>
+            </a:extLst>
+          </p:cNvPr>
+          <p:cNvSpPr/>
+          <p:nvPr/>
+        </p:nvSpPr>
+        <p:spPr>
+          <a:xfrm>
+            <a:off x="3523424" y="1257489"/>
+            <a:ext cx="156117" cy="161693"/>
+          </a:xfrm>
+          <a:prstGeom prst="flowChartConnector">
+            <a:avLst/>
+          </a:prstGeom>
+          <a:solidFill>
+            <a:srgbClr val="FFFF00"/>
+          </a:solidFill>
+        </p:spPr>
+        <p:style>
+          <a:lnRef idx="2">
+            <a:schemeClr val="accent4">
+              <a:shade val="15000"/>
+            </a:schemeClr>
+          </a:lnRef>
+          <a:fillRef idx="1">
+            <a:schemeClr val="accent4"/>
+          </a:fillRef>
+          <a:effectRef idx="0">
+            <a:schemeClr val="accent4"/>
+          </a:effectRef>
+          <a:fontRef idx="minor">
+            <a:schemeClr val="lt1"/>
+          </a:fontRef>
+        </p:style>
+        <p:txBody>
+          <a:bodyPr rtlCol="0" anchor="ctr"/>
+          <a:lstStyle/>
+          <a:p>
+            <a:pPr algn="ctr"/>
+            <a:r>
+              <a:rPr lang="en-US" altLang="ko-KR" sz="1000">
+                <a:solidFill>
+                  <a:schemeClr val="tx1"/>
+                </a:solidFill>
+              </a:rPr>
+              <a:t>2</a:t>
+            </a:r>
+            <a:endParaRPr lang="ko-KR" altLang="en-US" sz="1000">
+              <a:solidFill>
+                <a:schemeClr val="tx1"/>
+              </a:solidFill>
+            </a:endParaRPr>
+          </a:p>
+        </p:txBody>
+      </p:sp>
+      <p:sp>
+        <p:nvSpPr>
+          <p:cNvPr id="19" name="순서도: 연결자 18">
+            <a:extLst>
+              <a:ext uri="{FF2B5EF4-FFF2-40B4-BE49-F238E27FC236}">
+                <a16:creationId xmlns:a16="http://schemas.microsoft.com/office/drawing/2014/main" id="{64F5F885-6002-0EE2-22B0-25CCB799B775}"/>
+              </a:ext>
+            </a:extLst>
+          </p:cNvPr>
+          <p:cNvSpPr/>
+          <p:nvPr/>
+        </p:nvSpPr>
+        <p:spPr>
+          <a:xfrm>
+            <a:off x="3523423" y="1776081"/>
+            <a:ext cx="156117" cy="161693"/>
+          </a:xfrm>
+          <a:prstGeom prst="flowChartConnector">
+            <a:avLst/>
+          </a:prstGeom>
+          <a:solidFill>
+            <a:srgbClr val="FFFF00"/>
+          </a:solidFill>
+        </p:spPr>
+        <p:style>
+          <a:lnRef idx="2">
+            <a:schemeClr val="accent4">
+              <a:shade val="15000"/>
+            </a:schemeClr>
+          </a:lnRef>
+          <a:fillRef idx="1">
+            <a:schemeClr val="accent4"/>
+          </a:fillRef>
+          <a:effectRef idx="0">
+            <a:schemeClr val="accent4"/>
+          </a:effectRef>
+          <a:fontRef idx="minor">
+            <a:schemeClr val="lt1"/>
+          </a:fontRef>
+        </p:style>
+        <p:txBody>
+          <a:bodyPr rtlCol="0" anchor="ctr"/>
+          <a:lstStyle/>
+          <a:p>
+            <a:pPr algn="ctr"/>
+            <a:r>
+              <a:rPr lang="en-US" altLang="ko-KR" sz="1000">
+                <a:solidFill>
+                  <a:schemeClr val="tx1"/>
+                </a:solidFill>
+              </a:rPr>
+              <a:t>3</a:t>
+            </a:r>
+            <a:endParaRPr lang="ko-KR" altLang="en-US" sz="1000">
+              <a:solidFill>
+                <a:schemeClr val="tx1"/>
+              </a:solidFill>
+            </a:endParaRPr>
+          </a:p>
+        </p:txBody>
+      </p:sp>
+      <p:sp>
+        <p:nvSpPr>
+          <p:cNvPr id="27" name="순서도: 연결자 26">
+            <a:extLst>
+              <a:ext uri="{FF2B5EF4-FFF2-40B4-BE49-F238E27FC236}">
+                <a16:creationId xmlns:a16="http://schemas.microsoft.com/office/drawing/2014/main" id="{D45A0FD4-726D-C5F9-75C1-0747C2525FE3}"/>
+              </a:ext>
+            </a:extLst>
+          </p:cNvPr>
+          <p:cNvSpPr/>
+          <p:nvPr/>
+        </p:nvSpPr>
+        <p:spPr>
+          <a:xfrm>
+            <a:off x="3523422" y="2290326"/>
+            <a:ext cx="156117" cy="161693"/>
+          </a:xfrm>
+          <a:prstGeom prst="flowChartConnector">
+            <a:avLst/>
+          </a:prstGeom>
+          <a:solidFill>
+            <a:srgbClr val="FFFF00"/>
+          </a:solidFill>
+        </p:spPr>
+        <p:style>
+          <a:lnRef idx="2">
+            <a:schemeClr val="accent4">
+              <a:shade val="15000"/>
+            </a:schemeClr>
+          </a:lnRef>
+          <a:fillRef idx="1">
+            <a:schemeClr val="accent4"/>
+          </a:fillRef>
+          <a:effectRef idx="0">
+            <a:schemeClr val="accent4"/>
+          </a:effectRef>
+          <a:fontRef idx="minor">
+            <a:schemeClr val="lt1"/>
+          </a:fontRef>
+        </p:style>
+        <p:txBody>
+          <a:bodyPr rtlCol="0" anchor="ctr"/>
+          <a:lstStyle/>
+          <a:p>
+            <a:pPr algn="ctr"/>
+            <a:r>
+              <a:rPr lang="en-US" altLang="ko-KR" sz="1000">
+                <a:solidFill>
+                  <a:schemeClr val="tx1"/>
+                </a:solidFill>
+              </a:rPr>
+              <a:t>4</a:t>
+            </a:r>
+            <a:endParaRPr lang="ko-KR" altLang="en-US" sz="1000">
+              <a:solidFill>
+                <a:schemeClr val="tx1"/>
+              </a:solidFill>
+            </a:endParaRPr>
+          </a:p>
+        </p:txBody>
+      </p:sp>
+      <p:sp>
+        <p:nvSpPr>
+          <p:cNvPr id="28" name="순서도: 연결자 27">
+            <a:extLst>
+              <a:ext uri="{FF2B5EF4-FFF2-40B4-BE49-F238E27FC236}">
+                <a16:creationId xmlns:a16="http://schemas.microsoft.com/office/drawing/2014/main" id="{4DFEEB9B-8DE2-F8EE-5126-03017B908C55}"/>
+              </a:ext>
+            </a:extLst>
+          </p:cNvPr>
+          <p:cNvSpPr/>
+          <p:nvPr/>
+        </p:nvSpPr>
+        <p:spPr>
+          <a:xfrm>
+            <a:off x="3523421" y="2821496"/>
+            <a:ext cx="156117" cy="161693"/>
+          </a:xfrm>
+          <a:prstGeom prst="flowChartConnector">
+            <a:avLst/>
+          </a:prstGeom>
+          <a:solidFill>
+            <a:srgbClr val="FFFF00"/>
+          </a:solidFill>
+        </p:spPr>
+        <p:style>
+          <a:lnRef idx="2">
+            <a:schemeClr val="accent4">
+              <a:shade val="15000"/>
+            </a:schemeClr>
+          </a:lnRef>
+          <a:fillRef idx="1">
+            <a:schemeClr val="accent4"/>
+          </a:fillRef>
+          <a:effectRef idx="0">
+            <a:schemeClr val="accent4"/>
+          </a:effectRef>
+          <a:fontRef idx="minor">
+            <a:schemeClr val="lt1"/>
+          </a:fontRef>
+        </p:style>
+        <p:txBody>
+          <a:bodyPr rtlCol="0" anchor="ctr"/>
+          <a:lstStyle/>
+          <a:p>
+            <a:pPr algn="ctr"/>
+            <a:r>
+              <a:rPr lang="en-US" altLang="ko-KR" sz="1000">
+                <a:solidFill>
+                  <a:schemeClr val="tx1"/>
+                </a:solidFill>
+              </a:rPr>
+              <a:t>5</a:t>
+            </a:r>
+            <a:endParaRPr lang="ko-KR" altLang="en-US" sz="1000">
+              <a:solidFill>
+                <a:schemeClr val="tx1"/>
+              </a:solidFill>
+            </a:endParaRPr>
+          </a:p>
+        </p:txBody>
+      </p:sp>
+      <p:sp>
+        <p:nvSpPr>
+          <p:cNvPr id="29" name="순서도: 연결자 28">
+            <a:extLst>
+              <a:ext uri="{FF2B5EF4-FFF2-40B4-BE49-F238E27FC236}">
+                <a16:creationId xmlns:a16="http://schemas.microsoft.com/office/drawing/2014/main" id="{DEBFABA2-C874-F260-5ED6-894ED5EB4147}"/>
+              </a:ext>
+            </a:extLst>
+          </p:cNvPr>
+          <p:cNvSpPr/>
+          <p:nvPr/>
+        </p:nvSpPr>
+        <p:spPr>
+          <a:xfrm>
+            <a:off x="3523421" y="3297947"/>
+            <a:ext cx="156117" cy="161693"/>
+          </a:xfrm>
+          <a:prstGeom prst="flowChartConnector">
+            <a:avLst/>
+          </a:prstGeom>
+          <a:solidFill>
+            <a:srgbClr val="FFFF00"/>
+          </a:solidFill>
+        </p:spPr>
+        <p:style>
+          <a:lnRef idx="2">
+            <a:schemeClr val="accent4">
+              <a:shade val="15000"/>
+            </a:schemeClr>
+          </a:lnRef>
+          <a:fillRef idx="1">
+            <a:schemeClr val="accent4"/>
+          </a:fillRef>
+          <a:effectRef idx="0">
+            <a:schemeClr val="accent4"/>
+          </a:effectRef>
+          <a:fontRef idx="minor">
+            <a:schemeClr val="lt1"/>
+          </a:fontRef>
+        </p:style>
+        <p:txBody>
+          <a:bodyPr rtlCol="0" anchor="ctr"/>
+          <a:lstStyle/>
+          <a:p>
+            <a:pPr algn="ctr"/>
+            <a:r>
+              <a:rPr lang="en-US" altLang="ko-KR" sz="1000">
+                <a:solidFill>
+                  <a:schemeClr val="tx1"/>
+                </a:solidFill>
+              </a:rPr>
+              <a:t>6</a:t>
+            </a:r>
+            <a:endParaRPr lang="ko-KR" altLang="en-US" sz="1000">
+              <a:solidFill>
+                <a:schemeClr val="tx1"/>
+              </a:solidFill>
+            </a:endParaRPr>
+          </a:p>
+        </p:txBody>
+      </p:sp>
+      <p:sp>
+        <p:nvSpPr>
+          <p:cNvPr id="30" name="순서도: 연결자 29">
+            <a:extLst>
+              <a:ext uri="{FF2B5EF4-FFF2-40B4-BE49-F238E27FC236}">
+                <a16:creationId xmlns:a16="http://schemas.microsoft.com/office/drawing/2014/main" id="{8EF1AD50-5FF8-68EB-D582-6C264A43BB35}"/>
+              </a:ext>
+            </a:extLst>
+          </p:cNvPr>
+          <p:cNvSpPr/>
+          <p:nvPr/>
+        </p:nvSpPr>
+        <p:spPr>
+          <a:xfrm>
+            <a:off x="3523420" y="3826362"/>
+            <a:ext cx="156117" cy="161693"/>
+          </a:xfrm>
+          <a:prstGeom prst="flowChartConnector">
+            <a:avLst/>
+          </a:prstGeom>
+          <a:solidFill>
+            <a:srgbClr val="FFFF00"/>
+          </a:solidFill>
+        </p:spPr>
+        <p:style>
+          <a:lnRef idx="2">
+            <a:schemeClr val="accent4">
+              <a:shade val="15000"/>
+            </a:schemeClr>
+          </a:lnRef>
+          <a:fillRef idx="1">
+            <a:schemeClr val="accent4"/>
+          </a:fillRef>
+          <a:effectRef idx="0">
+            <a:schemeClr val="accent4"/>
+          </a:effectRef>
+          <a:fontRef idx="minor">
+            <a:schemeClr val="lt1"/>
+          </a:fontRef>
+        </p:style>
+        <p:txBody>
+          <a:bodyPr rtlCol="0" anchor="ctr"/>
+          <a:lstStyle/>
+          <a:p>
+            <a:pPr algn="ctr"/>
+            <a:r>
+              <a:rPr lang="en-US" altLang="ko-KR" sz="1000">
+                <a:solidFill>
+                  <a:schemeClr val="tx1"/>
+                </a:solidFill>
+              </a:rPr>
+              <a:t>7</a:t>
+            </a:r>
+            <a:endParaRPr lang="ko-KR" altLang="en-US" sz="1000">
+              <a:solidFill>
+                <a:schemeClr val="tx1"/>
+              </a:solidFill>
+            </a:endParaRPr>
+          </a:p>
+        </p:txBody>
+      </p:sp>
+      <p:sp>
+        <p:nvSpPr>
+          <p:cNvPr id="31" name="순서도: 연결자 30">
+            <a:extLst>
+              <a:ext uri="{FF2B5EF4-FFF2-40B4-BE49-F238E27FC236}">
+                <a16:creationId xmlns:a16="http://schemas.microsoft.com/office/drawing/2014/main" id="{A58E4E59-D25D-E806-2FAA-67FF50341A55}"/>
+              </a:ext>
+            </a:extLst>
+          </p:cNvPr>
+          <p:cNvSpPr/>
+          <p:nvPr/>
+        </p:nvSpPr>
+        <p:spPr>
+          <a:xfrm>
+            <a:off x="3523420" y="4373124"/>
+            <a:ext cx="156117" cy="161693"/>
+          </a:xfrm>
+          <a:prstGeom prst="flowChartConnector">
+            <a:avLst/>
+          </a:prstGeom>
+          <a:solidFill>
+            <a:srgbClr val="FFFF00"/>
+          </a:solidFill>
+        </p:spPr>
+        <p:style>
+          <a:lnRef idx="2">
+            <a:schemeClr val="accent4">
+              <a:shade val="15000"/>
+            </a:schemeClr>
+          </a:lnRef>
+          <a:fillRef idx="1">
+            <a:schemeClr val="accent4"/>
+          </a:fillRef>
+          <a:effectRef idx="0">
+            <a:schemeClr val="accent4"/>
+          </a:effectRef>
+          <a:fontRef idx="minor">
+            <a:schemeClr val="lt1"/>
+          </a:fontRef>
+        </p:style>
+        <p:txBody>
+          <a:bodyPr rtlCol="0" anchor="ctr"/>
+          <a:lstStyle/>
+          <a:p>
+            <a:pPr algn="ctr"/>
+            <a:r>
+              <a:rPr lang="en-US" altLang="ko-KR" sz="1000">
+                <a:solidFill>
+                  <a:schemeClr val="tx1"/>
+                </a:solidFill>
+              </a:rPr>
+              <a:t>8</a:t>
+            </a:r>
+            <a:endParaRPr lang="ko-KR" altLang="en-US" sz="1000">
+              <a:solidFill>
+                <a:schemeClr val="tx1"/>
+              </a:solidFill>
+            </a:endParaRPr>
+          </a:p>
+        </p:txBody>
+      </p:sp>
+      <p:sp>
+        <p:nvSpPr>
+          <p:cNvPr id="32" name="순서도: 연결자 31">
+            <a:extLst>
+              <a:ext uri="{FF2B5EF4-FFF2-40B4-BE49-F238E27FC236}">
+                <a16:creationId xmlns:a16="http://schemas.microsoft.com/office/drawing/2014/main" id="{A7D6DF00-E4D2-54F3-B2C2-B1F0847AC8D2}"/>
+              </a:ext>
+            </a:extLst>
+          </p:cNvPr>
+          <p:cNvSpPr/>
+          <p:nvPr/>
+        </p:nvSpPr>
+        <p:spPr>
+          <a:xfrm>
+            <a:off x="3523420" y="4906945"/>
+            <a:ext cx="156117" cy="161693"/>
+          </a:xfrm>
+          <a:prstGeom prst="flowChartConnector">
+            <a:avLst/>
+          </a:prstGeom>
+          <a:solidFill>
+            <a:srgbClr val="FFFF00"/>
+          </a:solidFill>
+        </p:spPr>
+        <p:style>
+          <a:lnRef idx="2">
+            <a:schemeClr val="accent4">
+              <a:shade val="15000"/>
+            </a:schemeClr>
+          </a:lnRef>
+          <a:fillRef idx="1">
+            <a:schemeClr val="accent4"/>
+          </a:fillRef>
+          <a:effectRef idx="0">
+            <a:schemeClr val="accent4"/>
+          </a:effectRef>
+          <a:fontRef idx="minor">
+            <a:schemeClr val="lt1"/>
+          </a:fontRef>
+        </p:style>
+        <p:txBody>
+          <a:bodyPr rtlCol="0" anchor="ctr"/>
+          <a:lstStyle/>
+          <a:p>
+            <a:pPr algn="ctr"/>
+            <a:r>
+              <a:rPr lang="en-US" altLang="ko-KR" sz="1000">
+                <a:solidFill>
+                  <a:schemeClr val="tx1"/>
+                </a:solidFill>
+              </a:rPr>
+              <a:t>9</a:t>
+            </a:r>
+            <a:endParaRPr lang="ko-KR" altLang="en-US" sz="1000">
+              <a:solidFill>
+                <a:schemeClr val="tx1"/>
+              </a:solidFill>
+            </a:endParaRPr>
+          </a:p>
+        </p:txBody>
+      </p:sp>
+      <p:sp>
+        <p:nvSpPr>
+          <p:cNvPr id="36" name="순서도: 연결자 35">
+            <a:extLst>
+              <a:ext uri="{FF2B5EF4-FFF2-40B4-BE49-F238E27FC236}">
+                <a16:creationId xmlns:a16="http://schemas.microsoft.com/office/drawing/2014/main" id="{0BE9767C-A520-9805-2B7B-0D597AF12B2B}"/>
+              </a:ext>
+            </a:extLst>
+          </p:cNvPr>
+          <p:cNvSpPr/>
+          <p:nvPr/>
+        </p:nvSpPr>
+        <p:spPr>
+          <a:xfrm>
+            <a:off x="3523420" y="5444212"/>
+            <a:ext cx="156117" cy="161693"/>
+          </a:xfrm>
+          <a:prstGeom prst="flowChartConnector">
+            <a:avLst/>
+          </a:prstGeom>
+          <a:solidFill>
+            <a:srgbClr val="FFFF00"/>
+          </a:solidFill>
+        </p:spPr>
+        <p:style>
+          <a:lnRef idx="2">
+            <a:schemeClr val="accent4">
+              <a:shade val="15000"/>
+            </a:schemeClr>
+          </a:lnRef>
+          <a:fillRef idx="1">
+            <a:schemeClr val="accent4"/>
+          </a:fillRef>
+          <a:effectRef idx="0">
+            <a:schemeClr val="accent4"/>
+          </a:effectRef>
+          <a:fontRef idx="minor">
+            <a:schemeClr val="lt1"/>
+          </a:fontRef>
+        </p:style>
+        <p:txBody>
+          <a:bodyPr rtlCol="0" anchor="ctr"/>
+          <a:lstStyle/>
+          <a:p>
+            <a:pPr algn="ctr"/>
+            <a:endParaRPr lang="ko-KR" altLang="en-US" sz="1000">
+              <a:solidFill>
+                <a:schemeClr val="tx1"/>
+              </a:solidFill>
+            </a:endParaRPr>
+          </a:p>
+        </p:txBody>
+      </p:sp>
+      <p:sp>
+        <p:nvSpPr>
+          <p:cNvPr id="37" name="TextBox 36">
+            <a:extLst>
+              <a:ext uri="{FF2B5EF4-FFF2-40B4-BE49-F238E27FC236}">
+                <a16:creationId xmlns:a16="http://schemas.microsoft.com/office/drawing/2014/main" id="{31330CF2-6CAF-C50F-4043-A232A06D7F23}"/>
+              </a:ext>
+            </a:extLst>
+          </p:cNvPr>
+          <p:cNvSpPr txBox="1"/>
+          <p:nvPr/>
+        </p:nvSpPr>
+        <p:spPr>
+          <a:xfrm>
+            <a:off x="3424856" y="5401947"/>
+            <a:ext cx="395257" cy="246221"/>
+          </a:xfrm>
+          <a:prstGeom prst="rect">
+            <a:avLst/>
+          </a:prstGeom>
+          <a:noFill/>
+        </p:spPr>
+        <p:txBody>
+          <a:bodyPr wrap="square" rtlCol="0">
+            <a:spAutoFit/>
+          </a:bodyPr>
+          <a:lstStyle/>
+          <a:p>
+            <a:r>
+              <a:rPr lang="en-US" altLang="ko-KR" sz="1000"/>
+              <a:t>10</a:t>
+            </a:r>
+            <a:endParaRPr lang="ko-KR" altLang="en-US" sz="1000"/>
+          </a:p>
+        </p:txBody>
+      </p:sp>
+      <p:sp>
+        <p:nvSpPr>
+          <p:cNvPr id="38" name="순서도: 연결자 37">
+            <a:extLst>
+              <a:ext uri="{FF2B5EF4-FFF2-40B4-BE49-F238E27FC236}">
+                <a16:creationId xmlns:a16="http://schemas.microsoft.com/office/drawing/2014/main" id="{4FB96869-9B1C-1723-A29D-7BC2D0A990B1}"/>
+              </a:ext>
+            </a:extLst>
+          </p:cNvPr>
+          <p:cNvSpPr/>
+          <p:nvPr/>
+        </p:nvSpPr>
+        <p:spPr>
+          <a:xfrm>
+            <a:off x="5383658" y="6010980"/>
+            <a:ext cx="167635" cy="186844"/>
+          </a:xfrm>
+          <a:prstGeom prst="flowChartConnector">
+            <a:avLst/>
+          </a:prstGeom>
+          <a:solidFill>
+            <a:srgbClr val="FFFF00"/>
+          </a:solidFill>
+        </p:spPr>
+        <p:style>
+          <a:lnRef idx="2">
+            <a:schemeClr val="accent4">
+              <a:shade val="15000"/>
+            </a:schemeClr>
+          </a:lnRef>
+          <a:fillRef idx="1">
+            <a:schemeClr val="accent4"/>
+          </a:fillRef>
+          <a:effectRef idx="0">
+            <a:schemeClr val="accent4"/>
+          </a:effectRef>
+          <a:fontRef idx="minor">
+            <a:schemeClr val="lt1"/>
+          </a:fontRef>
+        </p:style>
+        <p:txBody>
+          <a:bodyPr rtlCol="0" anchor="ctr"/>
+          <a:lstStyle/>
+          <a:p>
+            <a:pPr algn="ctr"/>
+            <a:endParaRPr lang="ko-KR" altLang="en-US" sz="1000">
+              <a:solidFill>
+                <a:schemeClr val="tx1"/>
+              </a:solidFill>
+            </a:endParaRPr>
+          </a:p>
+        </p:txBody>
+      </p:sp>
+      <p:sp>
+        <p:nvSpPr>
+          <p:cNvPr id="39" name="TextBox 38">
+            <a:extLst>
+              <a:ext uri="{FF2B5EF4-FFF2-40B4-BE49-F238E27FC236}">
+                <a16:creationId xmlns:a16="http://schemas.microsoft.com/office/drawing/2014/main" id="{3D7D44EC-44FF-A6FD-45FE-C8BA21DF738C}"/>
+              </a:ext>
+            </a:extLst>
+          </p:cNvPr>
+          <p:cNvSpPr txBox="1"/>
+          <p:nvPr/>
+        </p:nvSpPr>
+        <p:spPr>
+          <a:xfrm>
+            <a:off x="5301769" y="5981291"/>
+            <a:ext cx="331411" cy="246221"/>
+          </a:xfrm>
+          <a:prstGeom prst="rect">
+            <a:avLst/>
+          </a:prstGeom>
+          <a:noFill/>
+        </p:spPr>
+        <p:txBody>
+          <a:bodyPr wrap="square" rtlCol="0">
+            <a:spAutoFit/>
+          </a:bodyPr>
+          <a:lstStyle/>
+          <a:p>
+            <a:r>
+              <a:rPr lang="en-US" altLang="ko-KR" sz="1000"/>
+              <a:t>11</a:t>
+            </a:r>
+            <a:endParaRPr lang="ko-KR" altLang="en-US" sz="1000"/>
           </a:p>
         </p:txBody>
       </p:sp>

--- a/화면 설계서/11.업체 둥록 페이지.pptx
+++ b/화면 설계서/11.업체 둥록 페이지.pptx
@@ -3680,6 +3680,59 @@
       </p:grpSpPr>
       <p:sp>
         <p:nvSpPr>
+          <p:cNvPr id="41" name="사각형: 둥근 모서리 40">
+            <a:extLst>
+              <a:ext uri="{FF2B5EF4-FFF2-40B4-BE49-F238E27FC236}">
+                <a16:creationId xmlns:a16="http://schemas.microsoft.com/office/drawing/2014/main" id="{C8A3E021-0155-E7AA-F6E0-A3E70BAB5D7B}"/>
+              </a:ext>
+            </a:extLst>
+          </p:cNvPr>
+          <p:cNvSpPr/>
+          <p:nvPr/>
+        </p:nvSpPr>
+        <p:spPr>
+          <a:xfrm>
+            <a:off x="5474601" y="6062326"/>
+            <a:ext cx="790514" cy="491857"/>
+          </a:xfrm>
+          <a:prstGeom prst="roundRect">
+            <a:avLst/>
+          </a:prstGeom>
+          <a:solidFill>
+            <a:schemeClr val="accent1"/>
+          </a:solidFill>
+          <a:ln>
+            <a:noFill/>
+          </a:ln>
+        </p:spPr>
+        <p:style>
+          <a:lnRef idx="0">
+            <a:scrgbClr r="0" g="0" b="0"/>
+          </a:lnRef>
+          <a:fillRef idx="0">
+            <a:scrgbClr r="0" g="0" b="0"/>
+          </a:fillRef>
+          <a:effectRef idx="0">
+            <a:scrgbClr r="0" g="0" b="0"/>
+          </a:effectRef>
+          <a:fontRef idx="minor">
+            <a:schemeClr val="lt1"/>
+          </a:fontRef>
+        </p:style>
+        <p:txBody>
+          <a:bodyPr rtlCol="0" anchor="ctr"/>
+          <a:lstStyle/>
+          <a:p>
+            <a:pPr algn="ctr"/>
+            <a:r>
+              <a:rPr lang="ko-KR" altLang="en-US"/>
+              <a:t>등록</a:t>
+            </a:r>
+          </a:p>
+        </p:txBody>
+      </p:sp>
+      <p:sp>
+        <p:nvSpPr>
           <p:cNvPr id="2" name="사각형: 둥근 모서리 1">
             <a:extLst>
               <a:ext uri="{FF2B5EF4-FFF2-40B4-BE49-F238E27FC236}">
@@ -3771,54 +3824,6 @@
               <a:t>사업자등록번호</a:t>
             </a:r>
             <a:endParaRPr lang="ko-KR" altLang="en-US" dirty="0"/>
-          </a:p>
-        </p:txBody>
-      </p:sp>
-      <p:sp>
-        <p:nvSpPr>
-          <p:cNvPr id="4" name="사각형: 둥근 모서리 3">
-            <a:extLst>
-              <a:ext uri="{FF2B5EF4-FFF2-40B4-BE49-F238E27FC236}">
-                <a16:creationId xmlns:a16="http://schemas.microsoft.com/office/drawing/2014/main" id="{03ABECC7-EABB-A71E-786E-896739C2DC66}"/>
-              </a:ext>
-            </a:extLst>
-          </p:cNvPr>
-          <p:cNvSpPr/>
-          <p:nvPr/>
-        </p:nvSpPr>
-        <p:spPr>
-          <a:xfrm>
-            <a:off x="5353268" y="6128376"/>
-            <a:ext cx="1000916" cy="440422"/>
-          </a:xfrm>
-          <a:prstGeom prst="roundRect">
-            <a:avLst/>
-          </a:prstGeom>
-        </p:spPr>
-        <p:style>
-          <a:lnRef idx="2">
-            <a:schemeClr val="dk1"/>
-          </a:lnRef>
-          <a:fillRef idx="1">
-            <a:schemeClr val="lt1"/>
-          </a:fillRef>
-          <a:effectRef idx="0">
-            <a:schemeClr val="dk1"/>
-          </a:effectRef>
-          <a:fontRef idx="minor">
-            <a:schemeClr val="dk1"/>
-          </a:fontRef>
-        </p:style>
-        <p:txBody>
-          <a:bodyPr rtlCol="0" anchor="ctr"/>
-          <a:lstStyle/>
-          <a:p>
-            <a:pPr algn="ctr"/>
-            <a:r>
-              <a:rPr lang="ko-KR" altLang="en-US"/>
-              <a:t>등록</a:t>
-            </a:r>
-            <a:endParaRPr lang="en-US" altLang="ko-KR" dirty="0"/>
           </a:p>
         </p:txBody>
       </p:sp>
